--- a/慕课网自学总结/java接口自动化测试/接口自动化测试整体认知/接口自动化测试整体认知.pptx
+++ b/慕课网自学总结/java接口自动化测试/接口自动化测试整体认知/接口自动化测试整体认知.pptx
@@ -32,6 +32,15 @@
     <p:sldId id="278" r:id="rId26"/>
     <p:sldId id="279" r:id="rId27"/>
     <p:sldId id="280" r:id="rId28"/>
+    <p:sldId id="283" r:id="rId29"/>
+    <p:sldId id="284" r:id="rId30"/>
+    <p:sldId id="285" r:id="rId31"/>
+    <p:sldId id="286" r:id="rId32"/>
+    <p:sldId id="287" r:id="rId33"/>
+    <p:sldId id="288" r:id="rId34"/>
+    <p:sldId id="289" r:id="rId35"/>
+    <p:sldId id="290" r:id="rId36"/>
+    <p:sldId id="291" r:id="rId37"/>
   </p:sldIdLst>
   <p:sldSz cx="9144000" cy="6858000" type="screen4x3"/>
   <p:notesSz cx="6858000" cy="9144000"/>
@@ -315,7 +324,7 @@
             <a:fld id="{530820CF-B880-4189-942D-D702A7CBA730}" type="datetimeFigureOut">
               <a:rPr lang="zh-CN" altLang="en-US" smtClean="0"/>
               <a:pPr/>
-              <a:t>2019/12/6</a:t>
+              <a:t>2019/12/18</a:t>
             </a:fld>
             <a:endParaRPr lang="zh-CN" altLang="en-US"/>
           </a:p>
@@ -482,7 +491,7 @@
             <a:fld id="{530820CF-B880-4189-942D-D702A7CBA730}" type="datetimeFigureOut">
               <a:rPr lang="zh-CN" altLang="en-US" smtClean="0"/>
               <a:pPr/>
-              <a:t>2019/12/6</a:t>
+              <a:t>2019/12/18</a:t>
             </a:fld>
             <a:endParaRPr lang="zh-CN" altLang="en-US"/>
           </a:p>
@@ -659,7 +668,7 @@
             <a:fld id="{530820CF-B880-4189-942D-D702A7CBA730}" type="datetimeFigureOut">
               <a:rPr lang="zh-CN" altLang="en-US" smtClean="0"/>
               <a:pPr/>
-              <a:t>2019/12/6</a:t>
+              <a:t>2019/12/18</a:t>
             </a:fld>
             <a:endParaRPr lang="zh-CN" altLang="en-US"/>
           </a:p>
@@ -826,7 +835,7 @@
             <a:fld id="{530820CF-B880-4189-942D-D702A7CBA730}" type="datetimeFigureOut">
               <a:rPr lang="zh-CN" altLang="en-US" smtClean="0"/>
               <a:pPr/>
-              <a:t>2019/12/6</a:t>
+              <a:t>2019/12/18</a:t>
             </a:fld>
             <a:endParaRPr lang="zh-CN" altLang="en-US"/>
           </a:p>
@@ -1069,7 +1078,7 @@
             <a:fld id="{530820CF-B880-4189-942D-D702A7CBA730}" type="datetimeFigureOut">
               <a:rPr lang="zh-CN" altLang="en-US" smtClean="0"/>
               <a:pPr/>
-              <a:t>2019/12/6</a:t>
+              <a:t>2019/12/18</a:t>
             </a:fld>
             <a:endParaRPr lang="zh-CN" altLang="en-US"/>
           </a:p>
@@ -1354,7 +1363,7 @@
             <a:fld id="{530820CF-B880-4189-942D-D702A7CBA730}" type="datetimeFigureOut">
               <a:rPr lang="zh-CN" altLang="en-US" smtClean="0"/>
               <a:pPr/>
-              <a:t>2019/12/6</a:t>
+              <a:t>2019/12/18</a:t>
             </a:fld>
             <a:endParaRPr lang="zh-CN" altLang="en-US"/>
           </a:p>
@@ -1773,7 +1782,7 @@
             <a:fld id="{530820CF-B880-4189-942D-D702A7CBA730}" type="datetimeFigureOut">
               <a:rPr lang="zh-CN" altLang="en-US" smtClean="0"/>
               <a:pPr/>
-              <a:t>2019/12/6</a:t>
+              <a:t>2019/12/18</a:t>
             </a:fld>
             <a:endParaRPr lang="zh-CN" altLang="en-US"/>
           </a:p>
@@ -1888,7 +1897,7 @@
             <a:fld id="{530820CF-B880-4189-942D-D702A7CBA730}" type="datetimeFigureOut">
               <a:rPr lang="zh-CN" altLang="en-US" smtClean="0"/>
               <a:pPr/>
-              <a:t>2019/12/6</a:t>
+              <a:t>2019/12/18</a:t>
             </a:fld>
             <a:endParaRPr lang="zh-CN" altLang="en-US"/>
           </a:p>
@@ -1980,7 +1989,7 @@
             <a:fld id="{530820CF-B880-4189-942D-D702A7CBA730}" type="datetimeFigureOut">
               <a:rPr lang="zh-CN" altLang="en-US" smtClean="0"/>
               <a:pPr/>
-              <a:t>2019/12/6</a:t>
+              <a:t>2019/12/18</a:t>
             </a:fld>
             <a:endParaRPr lang="zh-CN" altLang="en-US"/>
           </a:p>
@@ -2254,7 +2263,7 @@
             <a:fld id="{530820CF-B880-4189-942D-D702A7CBA730}" type="datetimeFigureOut">
               <a:rPr lang="zh-CN" altLang="en-US" smtClean="0"/>
               <a:pPr/>
-              <a:t>2019/12/6</a:t>
+              <a:t>2019/12/18</a:t>
             </a:fld>
             <a:endParaRPr lang="zh-CN" altLang="en-US"/>
           </a:p>
@@ -2504,7 +2513,7 @@
             <a:fld id="{530820CF-B880-4189-942D-D702A7CBA730}" type="datetimeFigureOut">
               <a:rPr lang="zh-CN" altLang="en-US" smtClean="0"/>
               <a:pPr/>
-              <a:t>2019/12/6</a:t>
+              <a:t>2019/12/18</a:t>
             </a:fld>
             <a:endParaRPr lang="zh-CN" altLang="en-US"/>
           </a:p>
@@ -2714,7 +2723,7 @@
             <a:fld id="{530820CF-B880-4189-942D-D702A7CBA730}" type="datetimeFigureOut">
               <a:rPr lang="zh-CN" altLang="en-US" smtClean="0"/>
               <a:pPr/>
-              <a:t>2019/12/6</a:t>
+              <a:t>2019/12/18</a:t>
             </a:fld>
             <a:endParaRPr lang="zh-CN" altLang="en-US"/>
           </a:p>
@@ -4304,6 +4313,56 @@
 </p:sld>
 </file>
 
+<file path=ppt/slides/slide28.xml><?xml version="1.0" encoding="utf-8"?>
+<p:sld xmlns:a="http://schemas.openxmlformats.org/drawingml/2006/main" xmlns:r="http://schemas.openxmlformats.org/officeDocument/2006/relationships" xmlns:p="http://schemas.openxmlformats.org/presentationml/2006/main">
+  <p:cSld>
+    <p:spTree>
+      <p:nvGrpSpPr>
+        <p:cNvPr id="1" name=""/>
+        <p:cNvGrpSpPr/>
+        <p:nvPr/>
+      </p:nvGrpSpPr>
+      <p:grpSpPr>
+        <a:xfrm>
+          <a:off x="0" y="0"/>
+          <a:ext cx="0" cy="0"/>
+          <a:chOff x="0" y="0"/>
+          <a:chExt cx="0" cy="0"/>
+        </a:xfrm>
+      </p:grpSpPr>
+    </p:spTree>
+  </p:cSld>
+  <p:clrMapOvr>
+    <a:masterClrMapping/>
+  </p:clrMapOvr>
+</p:sld>
+</file>
+
+<file path=ppt/slides/slide29.xml><?xml version="1.0" encoding="utf-8"?>
+<p:sld xmlns:a="http://schemas.openxmlformats.org/drawingml/2006/main" xmlns:r="http://schemas.openxmlformats.org/officeDocument/2006/relationships" xmlns:p="http://schemas.openxmlformats.org/presentationml/2006/main">
+  <p:cSld>
+    <p:spTree>
+      <p:nvGrpSpPr>
+        <p:cNvPr id="1" name=""/>
+        <p:cNvGrpSpPr/>
+        <p:nvPr/>
+      </p:nvGrpSpPr>
+      <p:grpSpPr>
+        <a:xfrm>
+          <a:off x="0" y="0"/>
+          <a:ext cx="0" cy="0"/>
+          <a:chOff x="0" y="0"/>
+          <a:chExt cx="0" cy="0"/>
+        </a:xfrm>
+      </p:grpSpPr>
+    </p:spTree>
+  </p:cSld>
+  <p:clrMapOvr>
+    <a:masterClrMapping/>
+  </p:clrMapOvr>
+</p:sld>
+</file>
+
 <file path=ppt/slides/slide3.xml><?xml version="1.0" encoding="utf-8"?>
 <p:sld xmlns:a="http://schemas.openxmlformats.org/drawingml/2006/main" xmlns:r="http://schemas.openxmlformats.org/officeDocument/2006/relationships" xmlns:p="http://schemas.openxmlformats.org/presentationml/2006/main">
   <p:cSld>
@@ -4353,6 +4412,181 @@
           </a:ln>
         </p:spPr>
       </p:pic>
+    </p:spTree>
+  </p:cSld>
+  <p:clrMapOvr>
+    <a:masterClrMapping/>
+  </p:clrMapOvr>
+</p:sld>
+</file>
+
+<file path=ppt/slides/slide30.xml><?xml version="1.0" encoding="utf-8"?>
+<p:sld xmlns:a="http://schemas.openxmlformats.org/drawingml/2006/main" xmlns:r="http://schemas.openxmlformats.org/officeDocument/2006/relationships" xmlns:p="http://schemas.openxmlformats.org/presentationml/2006/main">
+  <p:cSld>
+    <p:spTree>
+      <p:nvGrpSpPr>
+        <p:cNvPr id="1" name=""/>
+        <p:cNvGrpSpPr/>
+        <p:nvPr/>
+      </p:nvGrpSpPr>
+      <p:grpSpPr>
+        <a:xfrm>
+          <a:off x="0" y="0"/>
+          <a:ext cx="0" cy="0"/>
+          <a:chOff x="0" y="0"/>
+          <a:chExt cx="0" cy="0"/>
+        </a:xfrm>
+      </p:grpSpPr>
+    </p:spTree>
+  </p:cSld>
+  <p:clrMapOvr>
+    <a:masterClrMapping/>
+  </p:clrMapOvr>
+</p:sld>
+</file>
+
+<file path=ppt/slides/slide31.xml><?xml version="1.0" encoding="utf-8"?>
+<p:sld xmlns:a="http://schemas.openxmlformats.org/drawingml/2006/main" xmlns:r="http://schemas.openxmlformats.org/officeDocument/2006/relationships" xmlns:p="http://schemas.openxmlformats.org/presentationml/2006/main">
+  <p:cSld>
+    <p:spTree>
+      <p:nvGrpSpPr>
+        <p:cNvPr id="1" name=""/>
+        <p:cNvGrpSpPr/>
+        <p:nvPr/>
+      </p:nvGrpSpPr>
+      <p:grpSpPr>
+        <a:xfrm>
+          <a:off x="0" y="0"/>
+          <a:ext cx="0" cy="0"/>
+          <a:chOff x="0" y="0"/>
+          <a:chExt cx="0" cy="0"/>
+        </a:xfrm>
+      </p:grpSpPr>
+    </p:spTree>
+  </p:cSld>
+  <p:clrMapOvr>
+    <a:masterClrMapping/>
+  </p:clrMapOvr>
+</p:sld>
+</file>
+
+<file path=ppt/slides/slide32.xml><?xml version="1.0" encoding="utf-8"?>
+<p:sld xmlns:a="http://schemas.openxmlformats.org/drawingml/2006/main" xmlns:r="http://schemas.openxmlformats.org/officeDocument/2006/relationships" xmlns:p="http://schemas.openxmlformats.org/presentationml/2006/main">
+  <p:cSld>
+    <p:spTree>
+      <p:nvGrpSpPr>
+        <p:cNvPr id="1" name=""/>
+        <p:cNvGrpSpPr/>
+        <p:nvPr/>
+      </p:nvGrpSpPr>
+      <p:grpSpPr>
+        <a:xfrm>
+          <a:off x="0" y="0"/>
+          <a:ext cx="0" cy="0"/>
+          <a:chOff x="0" y="0"/>
+          <a:chExt cx="0" cy="0"/>
+        </a:xfrm>
+      </p:grpSpPr>
+    </p:spTree>
+  </p:cSld>
+  <p:clrMapOvr>
+    <a:masterClrMapping/>
+  </p:clrMapOvr>
+</p:sld>
+</file>
+
+<file path=ppt/slides/slide33.xml><?xml version="1.0" encoding="utf-8"?>
+<p:sld xmlns:a="http://schemas.openxmlformats.org/drawingml/2006/main" xmlns:r="http://schemas.openxmlformats.org/officeDocument/2006/relationships" xmlns:p="http://schemas.openxmlformats.org/presentationml/2006/main">
+  <p:cSld>
+    <p:spTree>
+      <p:nvGrpSpPr>
+        <p:cNvPr id="1" name=""/>
+        <p:cNvGrpSpPr/>
+        <p:nvPr/>
+      </p:nvGrpSpPr>
+      <p:grpSpPr>
+        <a:xfrm>
+          <a:off x="0" y="0"/>
+          <a:ext cx="0" cy="0"/>
+          <a:chOff x="0" y="0"/>
+          <a:chExt cx="0" cy="0"/>
+        </a:xfrm>
+      </p:grpSpPr>
+    </p:spTree>
+  </p:cSld>
+  <p:clrMapOvr>
+    <a:masterClrMapping/>
+  </p:clrMapOvr>
+</p:sld>
+</file>
+
+<file path=ppt/slides/slide34.xml><?xml version="1.0" encoding="utf-8"?>
+<p:sld xmlns:a="http://schemas.openxmlformats.org/drawingml/2006/main" xmlns:r="http://schemas.openxmlformats.org/officeDocument/2006/relationships" xmlns:p="http://schemas.openxmlformats.org/presentationml/2006/main">
+  <p:cSld>
+    <p:spTree>
+      <p:nvGrpSpPr>
+        <p:cNvPr id="1" name=""/>
+        <p:cNvGrpSpPr/>
+        <p:nvPr/>
+      </p:nvGrpSpPr>
+      <p:grpSpPr>
+        <a:xfrm>
+          <a:off x="0" y="0"/>
+          <a:ext cx="0" cy="0"/>
+          <a:chOff x="0" y="0"/>
+          <a:chExt cx="0" cy="0"/>
+        </a:xfrm>
+      </p:grpSpPr>
+    </p:spTree>
+  </p:cSld>
+  <p:clrMapOvr>
+    <a:masterClrMapping/>
+  </p:clrMapOvr>
+</p:sld>
+</file>
+
+<file path=ppt/slides/slide35.xml><?xml version="1.0" encoding="utf-8"?>
+<p:sld xmlns:a="http://schemas.openxmlformats.org/drawingml/2006/main" xmlns:r="http://schemas.openxmlformats.org/officeDocument/2006/relationships" xmlns:p="http://schemas.openxmlformats.org/presentationml/2006/main">
+  <p:cSld>
+    <p:spTree>
+      <p:nvGrpSpPr>
+        <p:cNvPr id="1" name=""/>
+        <p:cNvGrpSpPr/>
+        <p:nvPr/>
+      </p:nvGrpSpPr>
+      <p:grpSpPr>
+        <a:xfrm>
+          <a:off x="0" y="0"/>
+          <a:ext cx="0" cy="0"/>
+          <a:chOff x="0" y="0"/>
+          <a:chExt cx="0" cy="0"/>
+        </a:xfrm>
+      </p:grpSpPr>
+    </p:spTree>
+  </p:cSld>
+  <p:clrMapOvr>
+    <a:masterClrMapping/>
+  </p:clrMapOvr>
+</p:sld>
+</file>
+
+<file path=ppt/slides/slide36.xml><?xml version="1.0" encoding="utf-8"?>
+<p:sld xmlns:a="http://schemas.openxmlformats.org/drawingml/2006/main" xmlns:r="http://schemas.openxmlformats.org/officeDocument/2006/relationships" xmlns:p="http://schemas.openxmlformats.org/presentationml/2006/main">
+  <p:cSld>
+    <p:spTree>
+      <p:nvGrpSpPr>
+        <p:cNvPr id="1" name=""/>
+        <p:cNvGrpSpPr/>
+        <p:nvPr/>
+      </p:nvGrpSpPr>
+      <p:grpSpPr>
+        <a:xfrm>
+          <a:off x="0" y="0"/>
+          <a:ext cx="0" cy="0"/>
+          <a:chOff x="0" y="0"/>
+          <a:chExt cx="0" cy="0"/>
+        </a:xfrm>
+      </p:grpSpPr>
     </p:spTree>
   </p:cSld>
   <p:clrMapOvr>
